--- a/Introduction to Python Programming - Chapter 2 - expressions.pptx
+++ b/Introduction to Python Programming - Chapter 2 - expressions.pptx
@@ -241,7 +241,7 @@
           <a:p>
             <a:fld id="{0F9C1CCF-B725-44A7-AA57-5E433BD85C9F}" type="datetimeFigureOut">
               <a:rPr lang="en-US" smtClean="0"/>
-              <a:t>10/30/24</a:t>
+              <a:t>9/11/25</a:t>
             </a:fld>
             <a:endParaRPr lang="en-US"/>
           </a:p>
@@ -4692,19 +4692,21 @@
               <a:buNone/>
             </a:pPr>
             <a:r>
-              <a:rPr b="1"/>
+              <a:rPr b="1" dirty="0"/>
               <a:t>Learning Objectives</a:t>
             </a:r>
           </a:p>
           <a:p>
             <a:pPr lvl="0"/>
             <a:r>
+              <a:rPr dirty="0"/>
               <a:t>Identify the data types produced by operations with integers, floats, and strings.</a:t>
             </a:r>
           </a:p>
           <a:p>
             <a:pPr lvl="0"/>
             <a:r>
+              <a:rPr dirty="0"/>
               <a:t>Use operators and type conversions to combine integers, floats, and strings.</a:t>
             </a:r>
           </a:p>
@@ -5353,8 +5355,58 @@
               <a:buNone/>
             </a:pPr>
             <a:r>
+              <a:rPr dirty="0">
+                <a:highlight>
+                  <a:srgbClr val="FFFF00"/>
+                </a:highlight>
+              </a:rPr>
               <a:t>Table 2.1 Round-off error.</a:t>
             </a:r>
+            <a:r>
+              <a:rPr lang="fr-CA" dirty="0">
+                <a:highlight>
+                  <a:srgbClr val="FFFF00"/>
+                </a:highlight>
+              </a:rPr>
+              <a:t> (</a:t>
+            </a:r>
+            <a:r>
+              <a:rPr lang="fr-CA" dirty="0" err="1">
+                <a:highlight>
+                  <a:srgbClr val="FFFF00"/>
+                </a:highlight>
+              </a:rPr>
+              <a:t>caused</a:t>
+            </a:r>
+            <a:r>
+              <a:rPr lang="fr-CA" dirty="0">
+                <a:highlight>
+                  <a:srgbClr val="FFFF00"/>
+                </a:highlight>
+              </a:rPr>
+              <a:t> by the </a:t>
+            </a:r>
+            <a:r>
+              <a:rPr lang="fr-CA" dirty="0" err="1">
+                <a:highlight>
+                  <a:srgbClr val="FFFF00"/>
+                </a:highlight>
+              </a:rPr>
+              <a:t>binary</a:t>
+            </a:r>
+            <a:r>
+              <a:rPr lang="fr-CA" dirty="0">
+                <a:highlight>
+                  <a:srgbClr val="FFFF00"/>
+                </a:highlight>
+              </a:rPr>
+              <a:t> conversion)</a:t>
+            </a:r>
+            <a:endParaRPr dirty="0">
+              <a:highlight>
+                <a:srgbClr val="FFFF00"/>
+              </a:highlight>
+            </a:endParaRPr>
           </a:p>
         </p:txBody>
       </p:sp>
@@ -5824,14 +5876,21 @@
           </a:prstGeom>
         </p:spPr>
         <p:txBody>
-          <a:bodyPr/>
+          <a:bodyPr>
+            <a:normAutofit fontScale="90000"/>
+          </a:bodyPr>
           <a:lstStyle/>
           <a:p>
             <a:pPr marL="0" lvl="0" indent="0">
               <a:buNone/>
             </a:pPr>
             <a:r>
-              <a:t>Table 2.2 Overflow error.</a:t>
+              <a:rPr lang="en-CA" noProof="1">
+                <a:highlight>
+                  <a:srgbClr val="FFFF00"/>
+                </a:highlight>
+              </a:rPr>
+              <a:t>Table 2.2 Overflow error.(there is not enough space to write the number)</a:t>
             </a:r>
           </a:p>
         </p:txBody>
@@ -6066,6 +6125,9 @@
                   <a:srgbClr val="333333"/>
                 </a:solidFill>
                 <a:effectLst/>
+                <a:highlight>
+                  <a:srgbClr val="FFFF00"/>
+                </a:highlight>
                 <a:latin typeface="Neue Helvetica W01"/>
               </a:rPr>
               <a:t>Division and modulo</a:t>
@@ -6080,6 +6142,9 @@
                 <a:srgbClr val="424242"/>
               </a:solidFill>
               <a:effectLst/>
+              <a:highlight>
+                <a:srgbClr val="FFFF00"/>
+              </a:highlight>
               <a:latin typeface="Neue Helvetica W01"/>
             </a:endParaRPr>
           </a:p>
@@ -6093,6 +6158,9 @@
                   <a:srgbClr val="424242"/>
                 </a:solidFill>
                 <a:effectLst/>
+                <a:highlight>
+                  <a:srgbClr val="FFFF00"/>
+                </a:highlight>
                 <a:latin typeface="Neue Helvetica W01"/>
               </a:rPr>
               <a:t>Python provides two ways to divide numbers:</a:t>
@@ -6109,6 +6177,9 @@
                   <a:srgbClr val="424242"/>
                 </a:solidFill>
                 <a:effectLst/>
+                <a:highlight>
+                  <a:srgbClr val="FFFF00"/>
+                </a:highlight>
                 <a:latin typeface="Neue Helvetica W01"/>
               </a:rPr>
               <a:t>True division</a:t>
@@ -6119,6 +6190,9 @@
                   <a:srgbClr val="424242"/>
                 </a:solidFill>
                 <a:effectLst/>
+                <a:highlight>
+                  <a:srgbClr val="FFFF00"/>
+                </a:highlight>
                 <a:latin typeface="Neue Helvetica W01"/>
               </a:rPr>
               <a:t> (/) converts numbers to floats before dividing. Ex: </a:t>
@@ -6129,6 +6203,9 @@
                   <a:srgbClr val="006767"/>
                 </a:solidFill>
                 <a:effectLst/>
+                <a:highlight>
+                  <a:srgbClr val="FFFF00"/>
+                </a:highlight>
                 <a:latin typeface="Neue Helvetica W01"/>
               </a:rPr>
               <a:t>7</a:t>
@@ -6139,6 +6216,9 @@
                   <a:srgbClr val="424242"/>
                 </a:solidFill>
                 <a:effectLst/>
+                <a:highlight>
+                  <a:srgbClr val="FFFF00"/>
+                </a:highlight>
                 <a:latin typeface="Neue Helvetica W01"/>
               </a:rPr>
               <a:t> / </a:t>
@@ -6149,6 +6229,9 @@
                   <a:srgbClr val="006767"/>
                 </a:solidFill>
                 <a:effectLst/>
+                <a:highlight>
+                  <a:srgbClr val="FFFF00"/>
+                </a:highlight>
                 <a:latin typeface="Neue Helvetica W01"/>
               </a:rPr>
               <a:t>4</a:t>
@@ -6159,6 +6242,9 @@
                   <a:srgbClr val="424242"/>
                 </a:solidFill>
                 <a:effectLst/>
+                <a:highlight>
+                  <a:srgbClr val="FFFF00"/>
+                </a:highlight>
                 <a:latin typeface="Neue Helvetica W01"/>
               </a:rPr>
               <a:t> becomes </a:t>
@@ -6169,6 +6255,9 @@
                   <a:srgbClr val="006767"/>
                 </a:solidFill>
                 <a:effectLst/>
+                <a:highlight>
+                  <a:srgbClr val="FFFF00"/>
+                </a:highlight>
                 <a:latin typeface="Neue Helvetica W01"/>
               </a:rPr>
               <a:t>7.0</a:t>
@@ -6179,6 +6268,9 @@
                   <a:srgbClr val="424242"/>
                 </a:solidFill>
                 <a:effectLst/>
+                <a:highlight>
+                  <a:srgbClr val="FFFF00"/>
+                </a:highlight>
                 <a:latin typeface="Neue Helvetica W01"/>
               </a:rPr>
               <a:t> / </a:t>
@@ -6189,6 +6281,9 @@
                   <a:srgbClr val="006767"/>
                 </a:solidFill>
                 <a:effectLst/>
+                <a:highlight>
+                  <a:srgbClr val="FFFF00"/>
+                </a:highlight>
                 <a:latin typeface="Neue Helvetica W01"/>
               </a:rPr>
               <a:t>4.0</a:t>
@@ -6199,6 +6294,9 @@
                   <a:srgbClr val="424242"/>
                 </a:solidFill>
                 <a:effectLst/>
+                <a:highlight>
+                  <a:srgbClr val="FFFF00"/>
+                </a:highlight>
                 <a:latin typeface="Neue Helvetica W01"/>
               </a:rPr>
               <a:t>, resulting in </a:t>
@@ -6209,6 +6307,9 @@
                   <a:srgbClr val="006767"/>
                 </a:solidFill>
                 <a:effectLst/>
+                <a:highlight>
+                  <a:srgbClr val="FFFF00"/>
+                </a:highlight>
                 <a:latin typeface="Neue Helvetica W01"/>
               </a:rPr>
               <a:t>1.75</a:t>
@@ -6219,6 +6320,9 @@
                   <a:srgbClr val="424242"/>
                 </a:solidFill>
                 <a:effectLst/>
+                <a:highlight>
+                  <a:srgbClr val="FFFF00"/>
+                </a:highlight>
                 <a:latin typeface="Neue Helvetica W01"/>
               </a:rPr>
               <a:t>.</a:t>
@@ -6235,6 +6339,9 @@
                   <a:srgbClr val="424242"/>
                 </a:solidFill>
                 <a:effectLst/>
+                <a:highlight>
+                  <a:srgbClr val="FFFF00"/>
+                </a:highlight>
                 <a:latin typeface="Neue Helvetica W01"/>
               </a:rPr>
               <a:t>Floor division</a:t>
@@ -6245,6 +6352,9 @@
                   <a:srgbClr val="424242"/>
                 </a:solidFill>
                 <a:effectLst/>
+                <a:highlight>
+                  <a:srgbClr val="FFFF00"/>
+                </a:highlight>
                 <a:latin typeface="Neue Helvetica W01"/>
               </a:rPr>
               <a:t> (//) computes the quotient, or the number of times divided. Ex: </a:t>
@@ -6255,6 +6365,9 @@
                   <a:srgbClr val="006767"/>
                 </a:solidFill>
                 <a:effectLst/>
+                <a:highlight>
+                  <a:srgbClr val="FFFF00"/>
+                </a:highlight>
                 <a:latin typeface="Neue Helvetica W01"/>
               </a:rPr>
               <a:t>7</a:t>
@@ -6265,6 +6378,9 @@
                   <a:srgbClr val="424242"/>
                 </a:solidFill>
                 <a:effectLst/>
+                <a:highlight>
+                  <a:srgbClr val="FFFF00"/>
+                </a:highlight>
                 <a:latin typeface="Neue Helvetica W01"/>
               </a:rPr>
               <a:t> // </a:t>
@@ -6275,6 +6391,9 @@
                   <a:srgbClr val="006767"/>
                 </a:solidFill>
                 <a:effectLst/>
+                <a:highlight>
+                  <a:srgbClr val="FFFF00"/>
+                </a:highlight>
                 <a:latin typeface="Neue Helvetica W01"/>
               </a:rPr>
               <a:t>4</a:t>
@@ -6285,6 +6404,9 @@
                   <a:srgbClr val="424242"/>
                 </a:solidFill>
                 <a:effectLst/>
+                <a:highlight>
+                  <a:srgbClr val="FFFF00"/>
+                </a:highlight>
                 <a:latin typeface="Neue Helvetica W01"/>
               </a:rPr>
               <a:t> is </a:t>
@@ -6295,6 +6417,9 @@
                   <a:srgbClr val="006767"/>
                 </a:solidFill>
                 <a:effectLst/>
+                <a:highlight>
+                  <a:srgbClr val="FFFF00"/>
+                </a:highlight>
                 <a:latin typeface="Neue Helvetica W01"/>
               </a:rPr>
               <a:t>1</a:t>
@@ -6305,6 +6430,9 @@
                   <a:srgbClr val="424242"/>
                 </a:solidFill>
                 <a:effectLst/>
+                <a:highlight>
+                  <a:srgbClr val="FFFF00"/>
+                </a:highlight>
                 <a:latin typeface="Neue Helvetica W01"/>
               </a:rPr>
               <a:t> because 4 goes into 7 one time, remainder 3. </a:t>
@@ -6318,6 +6446,9 @@
                   <a:srgbClr val="424242"/>
                 </a:solidFill>
                 <a:effectLst/>
+                <a:highlight>
+                  <a:srgbClr val="FFFF00"/>
+                </a:highlight>
                 <a:latin typeface="Neue Helvetica W01"/>
               </a:rPr>
               <a:t>The </a:t>
@@ -6328,6 +6459,9 @@
                   <a:srgbClr val="424242"/>
                 </a:solidFill>
                 <a:effectLst/>
+                <a:highlight>
+                  <a:srgbClr val="FFFF00"/>
+                </a:highlight>
                 <a:latin typeface="Neue Helvetica W01"/>
               </a:rPr>
               <a:t>modulo operator</a:t>
@@ -6338,6 +6472,9 @@
                   <a:srgbClr val="424242"/>
                 </a:solidFill>
                 <a:effectLst/>
+                <a:highlight>
+                  <a:srgbClr val="FFFF00"/>
+                </a:highlight>
                 <a:latin typeface="Neue Helvetica W01"/>
               </a:rPr>
               <a:t> (%) computes the remainder. Ex: </a:t>
@@ -6348,6 +6485,9 @@
                   <a:srgbClr val="006767"/>
                 </a:solidFill>
                 <a:effectLst/>
+                <a:highlight>
+                  <a:srgbClr val="FFFF00"/>
+                </a:highlight>
                 <a:latin typeface="Neue Helvetica W01"/>
               </a:rPr>
               <a:t>7</a:t>
@@ -6358,6 +6498,9 @@
                   <a:srgbClr val="424242"/>
                 </a:solidFill>
                 <a:effectLst/>
+                <a:highlight>
+                  <a:srgbClr val="FFFF00"/>
+                </a:highlight>
                 <a:latin typeface="Neue Helvetica W01"/>
               </a:rPr>
               <a:t> % </a:t>
@@ -6368,6 +6511,9 @@
                   <a:srgbClr val="006767"/>
                 </a:solidFill>
                 <a:effectLst/>
+                <a:highlight>
+                  <a:srgbClr val="FFFF00"/>
+                </a:highlight>
                 <a:latin typeface="Neue Helvetica W01"/>
               </a:rPr>
               <a:t>4</a:t>
@@ -6378,6 +6524,9 @@
                   <a:srgbClr val="424242"/>
                 </a:solidFill>
                 <a:effectLst/>
+                <a:highlight>
+                  <a:srgbClr val="FFFF00"/>
+                </a:highlight>
                 <a:latin typeface="Neue Helvetica W01"/>
               </a:rPr>
               <a:t> is </a:t>
@@ -6388,6 +6537,9 @@
                   <a:srgbClr val="006767"/>
                 </a:solidFill>
                 <a:effectLst/>
+                <a:highlight>
+                  <a:srgbClr val="FFFF00"/>
+                </a:highlight>
                 <a:latin typeface="Neue Helvetica W01"/>
               </a:rPr>
               <a:t>3</a:t>
@@ -6398,6 +6550,9 @@
                   <a:srgbClr val="424242"/>
                 </a:solidFill>
                 <a:effectLst/>
+                <a:highlight>
+                  <a:srgbClr val="FFFF00"/>
+                </a:highlight>
                 <a:latin typeface="Neue Helvetica W01"/>
               </a:rPr>
               <a:t>.</a:t>
@@ -6412,6 +6567,9 @@
                 <a:srgbClr val="424242"/>
               </a:solidFill>
               <a:effectLst/>
+              <a:highlight>
+                <a:srgbClr val="FFFF00"/>
+              </a:highlight>
               <a:latin typeface="Neue Helvetica W01"/>
             </a:endParaRPr>
           </a:p>
@@ -6425,6 +6583,9 @@
                   <a:srgbClr val="424242"/>
                 </a:solidFill>
                 <a:effectLst/>
+                <a:highlight>
+                  <a:srgbClr val="FFFF00"/>
+                </a:highlight>
                 <a:latin typeface="Neue Helvetica W01"/>
               </a:rPr>
               <a:t>Note: The % operator is traditionally pronounced "mod" (short for "modulo"). Ex: When reading </a:t>
@@ -6435,6 +6596,9 @@
                   <a:srgbClr val="006767"/>
                 </a:solidFill>
                 <a:effectLst/>
+                <a:highlight>
+                  <a:srgbClr val="FFFF00"/>
+                </a:highlight>
                 <a:latin typeface="Neue Helvetica W01"/>
               </a:rPr>
               <a:t>7</a:t>
@@ -6445,6 +6609,9 @@
                   <a:srgbClr val="424242"/>
                 </a:solidFill>
                 <a:effectLst/>
+                <a:highlight>
+                  <a:srgbClr val="FFFF00"/>
+                </a:highlight>
                 <a:latin typeface="Neue Helvetica W01"/>
               </a:rPr>
               <a:t> % </a:t>
@@ -6455,6 +6622,9 @@
                   <a:srgbClr val="006767"/>
                 </a:solidFill>
                 <a:effectLst/>
+                <a:highlight>
+                  <a:srgbClr val="FFFF00"/>
+                </a:highlight>
                 <a:latin typeface="Neue Helvetica W01"/>
               </a:rPr>
               <a:t>4</a:t>
@@ -6465,6 +6635,9 @@
                   <a:srgbClr val="424242"/>
                 </a:solidFill>
                 <a:effectLst/>
+                <a:highlight>
+                  <a:srgbClr val="FFFF00"/>
+                </a:highlight>
                 <a:latin typeface="Neue Helvetica W01"/>
               </a:rPr>
               <a:t> out loud, a programmer would say "seven mod four."</a:t>
@@ -6574,6 +6747,9 @@
                   <a:srgbClr val="333333"/>
                 </a:solidFill>
                 <a:effectLst/>
+                <a:highlight>
+                  <a:srgbClr val="FFFF00"/>
+                </a:highlight>
                 <a:latin typeface="Neue Helvetica W01"/>
               </a:rPr>
               <a:t>Unit conversions</a:t>
@@ -6589,6 +6765,9 @@
                   <a:srgbClr val="424242"/>
                 </a:solidFill>
                 <a:effectLst/>
+                <a:highlight>
+                  <a:srgbClr val="FFFF00"/>
+                </a:highlight>
                 <a:latin typeface="Neue Helvetica W01"/>
               </a:rPr>
               <a:t>Division is useful for converting one unit of measure to another. To convert centimeters to meters, a variable is divided by 100. Ex: 300 centimeters divided by 100 is 3 meters.</a:t>
@@ -6603,6 +6782,9 @@
                 <a:srgbClr val="424242"/>
               </a:solidFill>
               <a:effectLst/>
+              <a:highlight>
+                <a:srgbClr val="FFFF00"/>
+              </a:highlight>
               <a:latin typeface="Neue Helvetica W01"/>
             </a:endParaRPr>
           </a:p>
@@ -6614,6 +6796,9 @@
                   <a:srgbClr val="424242"/>
                 </a:solidFill>
                 <a:effectLst/>
+                <a:highlight>
+                  <a:srgbClr val="FFFF00"/>
+                </a:highlight>
                 <a:latin typeface="Neue Helvetica W01"/>
               </a:rPr>
               <a:t>Amounts often do not divide evenly as integers. 193 centimeters is 1.93 meters, or 1 meter and 93 centimeters. A program can use floor division and modulo to separate the units:</a:t>
@@ -6630,6 +6815,9 @@
                   <a:srgbClr val="424242"/>
                 </a:solidFill>
                 <a:effectLst/>
+                <a:highlight>
+                  <a:srgbClr val="FFFF00"/>
+                </a:highlight>
                 <a:latin typeface="Neue Helvetica W01"/>
               </a:rPr>
               <a:t>The quotient, 1 meter, is </a:t>
@@ -6640,6 +6828,9 @@
                   <a:srgbClr val="006767"/>
                 </a:solidFill>
                 <a:effectLst/>
+                <a:highlight>
+                  <a:srgbClr val="FFFF00"/>
+                </a:highlight>
                 <a:latin typeface="Neue Helvetica W01"/>
               </a:rPr>
               <a:t>193</a:t>
@@ -6650,6 +6841,9 @@
                   <a:srgbClr val="424242"/>
                 </a:solidFill>
                 <a:effectLst/>
+                <a:highlight>
+                  <a:srgbClr val="FFFF00"/>
+                </a:highlight>
                 <a:latin typeface="Neue Helvetica W01"/>
               </a:rPr>
               <a:t> // </a:t>
@@ -6660,6 +6854,9 @@
                   <a:srgbClr val="006767"/>
                 </a:solidFill>
                 <a:effectLst/>
+                <a:highlight>
+                  <a:srgbClr val="FFFF00"/>
+                </a:highlight>
                 <a:latin typeface="Neue Helvetica W01"/>
               </a:rPr>
               <a:t>100</a:t>
@@ -6670,6 +6867,9 @@
                   <a:srgbClr val="424242"/>
                 </a:solidFill>
                 <a:effectLst/>
+                <a:highlight>
+                  <a:srgbClr val="FFFF00"/>
+                </a:highlight>
                 <a:latin typeface="Neue Helvetica W01"/>
               </a:rPr>
               <a:t>.</a:t>
@@ -6686,6 +6886,9 @@
                   <a:srgbClr val="424242"/>
                 </a:solidFill>
                 <a:effectLst/>
+                <a:highlight>
+                  <a:srgbClr val="FFFF00"/>
+                </a:highlight>
                 <a:latin typeface="Neue Helvetica W01"/>
               </a:rPr>
               <a:t>The remainder, 93 centimeters, is </a:t>
@@ -6696,6 +6899,9 @@
                   <a:srgbClr val="006767"/>
                 </a:solidFill>
                 <a:effectLst/>
+                <a:highlight>
+                  <a:srgbClr val="FFFF00"/>
+                </a:highlight>
                 <a:latin typeface="Neue Helvetica W01"/>
               </a:rPr>
               <a:t>193</a:t>
@@ -6706,6 +6912,9 @@
                   <a:srgbClr val="424242"/>
                 </a:solidFill>
                 <a:effectLst/>
+                <a:highlight>
+                  <a:srgbClr val="FFFF00"/>
+                </a:highlight>
                 <a:latin typeface="Neue Helvetica W01"/>
               </a:rPr>
               <a:t> % </a:t>
@@ -6716,6 +6925,9 @@
                   <a:srgbClr val="006767"/>
                 </a:solidFill>
                 <a:effectLst/>
+                <a:highlight>
+                  <a:srgbClr val="FFFF00"/>
+                </a:highlight>
                 <a:latin typeface="Neue Helvetica W01"/>
               </a:rPr>
               <a:t>100</a:t>
@@ -6726,6 +6938,9 @@
                   <a:srgbClr val="424242"/>
                 </a:solidFill>
                 <a:effectLst/>
+                <a:highlight>
+                  <a:srgbClr val="FFFF00"/>
+                </a:highlight>
                 <a:latin typeface="Neue Helvetica W01"/>
               </a:rPr>
               <a:t>.</a:t>
@@ -6739,6 +6954,9 @@
                   <a:srgbClr val="424242"/>
                 </a:solidFill>
                 <a:effectLst/>
+                <a:highlight>
+                  <a:srgbClr val="FFFF00"/>
+                </a:highlight>
                 <a:latin typeface="Neue Helvetica W01"/>
               </a:rPr>
               <a:t>Programs often use floor division and modulo together. If one line of code floor divides by m, the next line will likely modulo by m. The unit m by which an amount is divided is called the </a:t>
@@ -6749,6 +6967,9 @@
                   <a:srgbClr val="424242"/>
                 </a:solidFill>
                 <a:effectLst/>
+                <a:highlight>
+                  <a:srgbClr val="FFFF00"/>
+                </a:highlight>
                 <a:latin typeface="Neue Helvetica W01"/>
               </a:rPr>
               <a:t>modulus</a:t>
@@ -6759,6 +6980,9 @@
                   <a:srgbClr val="424242"/>
                 </a:solidFill>
                 <a:effectLst/>
+                <a:highlight>
+                  <a:srgbClr val="FFFF00"/>
+                </a:highlight>
                 <a:latin typeface="Neue Helvetica W01"/>
               </a:rPr>
               <a:t>. Ex: When converting centimeters to meters, the modulus is 100.</a:t>
@@ -6823,6 +7047,7 @@
               <a:buNone/>
             </a:pPr>
             <a:r>
+              <a:rPr dirty="0"/>
               <a:t>Chapter outline</a:t>
             </a:r>
           </a:p>
@@ -6847,14 +7072,21 @@
               <a:buAutoNum type="arabicPeriod"/>
             </a:pPr>
             <a:r>
+              <a:rPr dirty="0"/>
               <a:t>The Python shell</a:t>
             </a:r>
+            <a:r>
+              <a:rPr lang="fr-CA" dirty="0"/>
+              <a:t> (Visual studio terminal Shell)</a:t>
+            </a:r>
+            <a:endParaRPr dirty="0"/>
           </a:p>
           <a:p>
             <a:pPr marL="457189" lvl="0" indent="-457189">
               <a:buAutoNum type="arabicPeriod"/>
             </a:pPr>
             <a:r>
+              <a:rPr dirty="0"/>
               <a:t>Type conversion</a:t>
             </a:r>
           </a:p>
@@ -6863,6 +7095,7 @@
               <a:buAutoNum type="arabicPeriod"/>
             </a:pPr>
             <a:r>
+              <a:rPr dirty="0"/>
               <a:t>Mixed data types</a:t>
             </a:r>
           </a:p>
@@ -6871,6 +7104,7 @@
               <a:buAutoNum type="arabicPeriod"/>
             </a:pPr>
             <a:r>
+              <a:rPr dirty="0"/>
               <a:t>Floating-point errors</a:t>
             </a:r>
           </a:p>
@@ -6879,6 +7113,7 @@
               <a:buAutoNum type="arabicPeriod"/>
             </a:pPr>
             <a:r>
+              <a:rPr dirty="0"/>
               <a:t>Dividing integers</a:t>
             </a:r>
           </a:p>
@@ -6887,6 +7122,7 @@
               <a:buAutoNum type="arabicPeriod"/>
             </a:pPr>
             <a:r>
+              <a:rPr dirty="0"/>
               <a:t>The math module</a:t>
             </a:r>
           </a:p>
@@ -6895,6 +7131,7 @@
               <a:buAutoNum type="arabicPeriod"/>
             </a:pPr>
             <a:r>
+              <a:rPr dirty="0"/>
               <a:t>Formatting code</a:t>
             </a:r>
           </a:p>
@@ -6903,6 +7140,7 @@
               <a:buAutoNum type="arabicPeriod"/>
             </a:pPr>
             <a:r>
+              <a:rPr dirty="0"/>
               <a:t>Python careers</a:t>
             </a:r>
           </a:p>
@@ -9318,7 +9556,7 @@
                 <a:effectLst/>
                 <a:latin typeface="Neue Helvetica W01"/>
               </a:rPr>
-              <a:t>The interpreter</a:t>
+              <a:t>The interpreter (convert the code into machine code -binary-)</a:t>
             </a:r>
           </a:p>
           <a:p>
@@ -9389,6 +9627,9 @@
                   <a:srgbClr val="424242"/>
                 </a:solidFill>
                 <a:effectLst/>
+                <a:highlight>
+                  <a:srgbClr val="FFFF00"/>
+                </a:highlight>
                 <a:latin typeface="Neue Helvetica W01"/>
               </a:rPr>
               <a:t>The Python </a:t>
@@ -9399,6 +9640,9 @@
                   <a:srgbClr val="424242"/>
                 </a:solidFill>
                 <a:effectLst/>
+                <a:highlight>
+                  <a:srgbClr val="FFFF00"/>
+                </a:highlight>
                 <a:latin typeface="Neue Helvetica W01"/>
               </a:rPr>
               <a:t>interpreter</a:t>
@@ -9409,6 +9653,9 @@
                   <a:srgbClr val="424242"/>
                 </a:solidFill>
                 <a:effectLst/>
+                <a:highlight>
+                  <a:srgbClr val="FFFF00"/>
+                </a:highlight>
                 <a:latin typeface="Neue Helvetica W01"/>
               </a:rPr>
               <a:t> translates source code into machine code and runs the resulting program. If and when an error occurs, the interpreter stops translating the source code and displays an error message.</a:t>
@@ -10230,7 +10477,7 @@
                 <a:effectLst/>
                 <a:latin typeface="Neue Helvetica W01"/>
               </a:rPr>
-              <a:t>Explicit type conversion</a:t>
+              <a:t>Explicit type conversion (forcing the conversion)</a:t>
             </a:r>
           </a:p>
           <a:p>
